--- a/images/theory_analysis/Kubernetes_OpenStack_Cinder_CSI/Kubernetes_OpenStack_Cinder_CSI.pptx
+++ b/images/theory_analysis/Kubernetes_OpenStack_Cinder_CSI/Kubernetes_OpenStack_Cinder_CSI.pptx
@@ -213,7 +213,7 @@
           <a:p>
             <a:fld id="{6CD5550B-26C4-49A9-A5BA-636EF7BE6CE9}" type="datetimeFigureOut">
               <a:rPr lang="ko-KR" altLang="en-US" smtClean="0"/>
-              <a:t>2019-10-26</a:t>
+              <a:t>2019-10-27</a:t>
             </a:fld>
             <a:endParaRPr lang="ko-KR" altLang="en-US"/>
           </a:p>
@@ -659,7 +659,7 @@
           <a:p>
             <a:fld id="{FB30EDBD-1C2D-4C1E-B459-B60219FAB484}" type="datetimeFigureOut">
               <a:rPr lang="ko-KR" altLang="en-US" smtClean="0"/>
-              <a:t>2019-10-26</a:t>
+              <a:t>2019-10-27</a:t>
             </a:fld>
             <a:endParaRPr lang="ko-KR" altLang="en-US"/>
           </a:p>
@@ -822,7 +822,7 @@
           <a:p>
             <a:fld id="{FB30EDBD-1C2D-4C1E-B459-B60219FAB484}" type="datetimeFigureOut">
               <a:rPr lang="ko-KR" altLang="en-US" smtClean="0"/>
-              <a:t>2019-10-26</a:t>
+              <a:t>2019-10-27</a:t>
             </a:fld>
             <a:endParaRPr lang="ko-KR" altLang="en-US"/>
           </a:p>
@@ -995,7 +995,7 @@
           <a:p>
             <a:fld id="{FB30EDBD-1C2D-4C1E-B459-B60219FAB484}" type="datetimeFigureOut">
               <a:rPr lang="ko-KR" altLang="en-US" smtClean="0"/>
-              <a:t>2019-10-26</a:t>
+              <a:t>2019-10-27</a:t>
             </a:fld>
             <a:endParaRPr lang="ko-KR" altLang="en-US"/>
           </a:p>
@@ -1158,7 +1158,7 @@
           <a:p>
             <a:fld id="{FB30EDBD-1C2D-4C1E-B459-B60219FAB484}" type="datetimeFigureOut">
               <a:rPr lang="ko-KR" altLang="en-US" smtClean="0"/>
-              <a:t>2019-10-26</a:t>
+              <a:t>2019-10-27</a:t>
             </a:fld>
             <a:endParaRPr lang="ko-KR" altLang="en-US"/>
           </a:p>
@@ -1398,7 +1398,7 @@
           <a:p>
             <a:fld id="{FB30EDBD-1C2D-4C1E-B459-B60219FAB484}" type="datetimeFigureOut">
               <a:rPr lang="ko-KR" altLang="en-US" smtClean="0"/>
-              <a:t>2019-10-26</a:t>
+              <a:t>2019-10-27</a:t>
             </a:fld>
             <a:endParaRPr lang="ko-KR" altLang="en-US"/>
           </a:p>
@@ -1678,7 +1678,7 @@
           <a:p>
             <a:fld id="{FB30EDBD-1C2D-4C1E-B459-B60219FAB484}" type="datetimeFigureOut">
               <a:rPr lang="ko-KR" altLang="en-US" smtClean="0"/>
-              <a:t>2019-10-26</a:t>
+              <a:t>2019-10-27</a:t>
             </a:fld>
             <a:endParaRPr lang="ko-KR" altLang="en-US"/>
           </a:p>
@@ -2092,7 +2092,7 @@
           <a:p>
             <a:fld id="{FB30EDBD-1C2D-4C1E-B459-B60219FAB484}" type="datetimeFigureOut">
               <a:rPr lang="ko-KR" altLang="en-US" smtClean="0"/>
-              <a:t>2019-10-26</a:t>
+              <a:t>2019-10-27</a:t>
             </a:fld>
             <a:endParaRPr lang="ko-KR" altLang="en-US"/>
           </a:p>
@@ -2204,7 +2204,7 @@
           <a:p>
             <a:fld id="{FB30EDBD-1C2D-4C1E-B459-B60219FAB484}" type="datetimeFigureOut">
               <a:rPr lang="ko-KR" altLang="en-US" smtClean="0"/>
-              <a:t>2019-10-26</a:t>
+              <a:t>2019-10-27</a:t>
             </a:fld>
             <a:endParaRPr lang="ko-KR" altLang="en-US"/>
           </a:p>
@@ -2294,7 +2294,7 @@
           <a:p>
             <a:fld id="{FB30EDBD-1C2D-4C1E-B459-B60219FAB484}" type="datetimeFigureOut">
               <a:rPr lang="ko-KR" altLang="en-US" smtClean="0"/>
-              <a:t>2019-10-26</a:t>
+              <a:t>2019-10-27</a:t>
             </a:fld>
             <a:endParaRPr lang="ko-KR" altLang="en-US"/>
           </a:p>
@@ -2564,7 +2564,7 @@
           <a:p>
             <a:fld id="{FB30EDBD-1C2D-4C1E-B459-B60219FAB484}" type="datetimeFigureOut">
               <a:rPr lang="ko-KR" altLang="en-US" smtClean="0"/>
-              <a:t>2019-10-26</a:t>
+              <a:t>2019-10-27</a:t>
             </a:fld>
             <a:endParaRPr lang="ko-KR" altLang="en-US"/>
           </a:p>
@@ -2811,7 +2811,7 @@
           <a:p>
             <a:fld id="{FB30EDBD-1C2D-4C1E-B459-B60219FAB484}" type="datetimeFigureOut">
               <a:rPr lang="ko-KR" altLang="en-US" smtClean="0"/>
-              <a:t>2019-10-26</a:t>
+              <a:t>2019-10-27</a:t>
             </a:fld>
             <a:endParaRPr lang="ko-KR" altLang="en-US"/>
           </a:p>
@@ -3017,7 +3017,7 @@
           <a:p>
             <a:fld id="{FB30EDBD-1C2D-4C1E-B459-B60219FAB484}" type="datetimeFigureOut">
               <a:rPr lang="ko-KR" altLang="en-US" smtClean="0"/>
-              <a:t>2019-10-26</a:t>
+              <a:t>2019-10-27</a:t>
             </a:fld>
             <a:endParaRPr lang="ko-KR" altLang="en-US"/>
           </a:p>
@@ -3435,7 +3435,7 @@
         </p:nvSpPr>
         <p:spPr>
           <a:xfrm>
-            <a:off x="2274112" y="798579"/>
+            <a:off x="2274112" y="759317"/>
             <a:ext cx="1289776" cy="804916"/>
           </a:xfrm>
           <a:prstGeom prst="roundRect">
@@ -3486,7 +3486,7 @@
         </p:nvSpPr>
         <p:spPr>
           <a:xfrm>
-            <a:off x="2372208" y="1133307"/>
+            <a:off x="2372208" y="1094045"/>
             <a:ext cx="1093581" cy="361808"/>
           </a:xfrm>
           <a:prstGeom prst="roundRect">
@@ -4065,8 +4065,8 @@
         </p:nvCxnSpPr>
         <p:spPr>
           <a:xfrm flipH="1">
-            <a:off x="836424" y="1495115"/>
-            <a:ext cx="2082575" cy="1016532"/>
+            <a:off x="836424" y="1455853"/>
+            <a:ext cx="2082575" cy="1055794"/>
           </a:xfrm>
           <a:prstGeom prst="straightConnector1">
             <a:avLst/>
@@ -4112,8 +4112,8 @@
         </p:nvCxnSpPr>
         <p:spPr>
           <a:xfrm flipH="1">
-            <a:off x="2031583" y="1495115"/>
-            <a:ext cx="887416" cy="1016532"/>
+            <a:off x="2031583" y="1455853"/>
+            <a:ext cx="887416" cy="1055794"/>
           </a:xfrm>
           <a:prstGeom prst="straightConnector1">
             <a:avLst/>
@@ -4159,8 +4159,8 @@
         </p:nvCxnSpPr>
         <p:spPr>
           <a:xfrm>
-            <a:off x="2918999" y="1495115"/>
-            <a:ext cx="313399" cy="1016532"/>
+            <a:off x="2918999" y="1455853"/>
+            <a:ext cx="313399" cy="1055794"/>
           </a:xfrm>
           <a:prstGeom prst="straightConnector1">
             <a:avLst/>
@@ -4206,8 +4206,8 @@
         </p:nvCxnSpPr>
         <p:spPr>
           <a:xfrm>
-            <a:off x="2918999" y="1495115"/>
-            <a:ext cx="1514213" cy="1016532"/>
+            <a:off x="2918999" y="1455853"/>
+            <a:ext cx="1514213" cy="1055794"/>
           </a:xfrm>
           <a:prstGeom prst="straightConnector1">
             <a:avLst/>
@@ -4580,7 +4580,7 @@
             <a:pPr algn="r"/>
             <a:r>
               <a:rPr lang="en-US" altLang="ko-KR" sz="1200"/>
-              <a:t>(Daemonset)</a:t>
+              <a:t>(Daemonset, All Worker Nodes)</a:t>
             </a:r>
             <a:endParaRPr lang="en-US" altLang="ko-KR" sz="1200" dirty="0"/>
           </a:p>
@@ -4855,8 +4855,8 @@
         </p:nvCxnSpPr>
         <p:spPr>
           <a:xfrm>
-            <a:off x="2918999" y="1495115"/>
-            <a:ext cx="5320959" cy="1016532"/>
+            <a:off x="2918999" y="1455853"/>
+            <a:ext cx="5320959" cy="1055794"/>
           </a:xfrm>
           <a:prstGeom prst="straightConnector1">
             <a:avLst/>
